--- a/Expediente Digital.pptx
+++ b/Expediente Digital.pptx
@@ -3563,7 +3563,7 @@
             <a:fld id="{6FD22E44-98EB-41F2-A5A3-DC9366D96C52}" type="datetimeFigureOut">
               <a:rPr lang="pt-BR" smtClean="0"/>
               <a:pPr/>
-              <a:t>17/11/2021</a:t>
+              <a:t>07/01/2022</a:t>
             </a:fld>
             <a:endParaRPr lang="pt-BR"/>
           </a:p>
@@ -3729,7 +3729,7 @@
           <a:p>
             <a:fld id="{515D20E7-273D-4BCD-A33C-33C20D53B536}" type="datetimeFigureOut">
               <a:rPr lang="pt-BR" smtClean="0"/>
-              <a:t>17/11/2021</a:t>
+              <a:t>07/01/2022</a:t>
             </a:fld>
             <a:endParaRPr lang="pt-BR"/>
           </a:p>
@@ -5916,7 +5916,7 @@
             <a:fld id="{4E492E1F-AD23-4954-8C0A-1311CECCDDB9}" type="datetimeFigureOut">
               <a:rPr lang="pt-BR" smtClean="0"/>
               <a:pPr/>
-              <a:t>17/11/2021</a:t>
+              <a:t>07/01/2022</a:t>
             </a:fld>
             <a:endParaRPr lang="pt-BR"/>
           </a:p>
@@ -7083,7 +7083,21 @@
                 <a:latin typeface="Calibr"/>
                 <a:cs typeface="Calibri" panose="020F0502020204030204" pitchFamily="34" charset="0"/>
               </a:rPr>
-              <a:t>Quando um empregado estiver realizando o despacho, o envio será permitido apenas para o seu gestor.</a:t>
+              <a:t>Quando um empregado estiver realizando o despacho, o envio será automático para o seu gestor </a:t>
+            </a:r>
+            <a:r>
+              <a:rPr lang="pt-BR" sz="2800" dirty="0" err="1">
+                <a:latin typeface="Calibr"/>
+                <a:cs typeface="Calibri" panose="020F0502020204030204" pitchFamily="34" charset="0"/>
+              </a:rPr>
+              <a:t>imedito</a:t>
+            </a:r>
+            <a:r>
+              <a:rPr lang="pt-BR" sz="2800" dirty="0">
+                <a:latin typeface="Calibr"/>
+                <a:cs typeface="Calibri" panose="020F0502020204030204" pitchFamily="34" charset="0"/>
+              </a:rPr>
+              <a:t>.</a:t>
             </a:r>
           </a:p>
           <a:p>
@@ -7446,7 +7460,7 @@
         <p:spPr>
           <a:xfrm>
             <a:off x="683568" y="1700808"/>
-            <a:ext cx="7848872" cy="3170099"/>
+            <a:ext cx="7848872" cy="3600986"/>
           </a:xfrm>
           <a:prstGeom prst="rect">
             <a:avLst/>
@@ -7469,7 +7483,7 @@
                 <a:latin typeface="Calibr"/>
                 <a:cs typeface="Calibri" panose="020F0502020204030204" pitchFamily="34" charset="0"/>
               </a:rPr>
-              <a:t>Ao receber um expediente, o gestor  visualizará todo o histórico do despacho e deverá inserir as informações em relação à sua expedição. Caso haja necessidade, poderá anexar documentos e  em seguida finalizar o expediente ou direcionar para um outro gestor ou um empregado subordinado.</a:t>
+              <a:t>Ao receber um expediente, o gestor  visualizará todo o histórico do despacho e deverá inserir as informações em relação à sua expedição. Caso haja necessidade, poderá anexar documentos e  em seguida poderá encaminhar o expediente (para um outro gestor ou um empregado subordinado conforme a seleção) ou  finalizar o expediente.</a:t>
             </a:r>
           </a:p>
           <a:p>
@@ -8407,15 +8421,6 @@
 </file>
 
 <file path=customXml/item2.xml><?xml version="1.0" encoding="utf-8"?>
-<?mso-contentType ?>
-<FormTemplates xmlns="http://schemas.microsoft.com/sharepoint/v3/contenttype/forms">
-  <Display>DocumentLibraryForm</Display>
-  <Edit>DocumentLibraryForm</Edit>
-  <New>DocumentLibraryForm</New>
-</FormTemplates>
-</file>
-
-<file path=customXml/item3.xml><?xml version="1.0" encoding="utf-8"?>
 <ct:contentTypeSchema xmlns:ct="http://schemas.microsoft.com/office/2006/metadata/contentType" xmlns:ma="http://schemas.microsoft.com/office/2006/metadata/properties/metaAttributes" ct:_="" ma:_="" ma:contentTypeName="Documento" ma:contentTypeID="0x010100499200897145E149B74E983814333612" ma:contentTypeVersion="4" ma:contentTypeDescription="Crie um novo documento." ma:contentTypeScope="" ma:versionID="3f3467af012b1d5993a5bb1a3a42a493">
   <xsd:schema xmlns:xsd="http://www.w3.org/2001/XMLSchema" xmlns:xs="http://www.w3.org/2001/XMLSchema" xmlns:p="http://schemas.microsoft.com/office/2006/metadata/properties" xmlns:ns2="d885478b-f22d-4d19-a775-a8723dc1337f" xmlns:ns3="45f96d23-d40b-4212-8da3-c017d2a6f7c3" targetNamespace="http://schemas.microsoft.com/office/2006/metadata/properties" ma:root="true" ma:fieldsID="b5f0560e8bb6d765e16a4fc320c2d2ed" ns2:_="" ns3:_="">
     <xsd:import namespace="d885478b-f22d-4d19-a775-a8723dc1337f"/>
@@ -8572,6 +8577,15 @@
 </ct:contentTypeSchema>
 </file>
 
+<file path=customXml/item3.xml><?xml version="1.0" encoding="utf-8"?>
+<?mso-contentType ?>
+<FormTemplates xmlns="http://schemas.microsoft.com/sharepoint/v3/contenttype/forms">
+  <Display>DocumentLibraryForm</Display>
+  <Edit>DocumentLibraryForm</Edit>
+  <New>DocumentLibraryForm</New>
+</FormTemplates>
+</file>
+
 <file path=customXml/itemProps1.xml><?xml version="1.0" encoding="utf-8"?>
 <ds:datastoreItem xmlns:ds="http://schemas.openxmlformats.org/officeDocument/2006/customXml" ds:itemID="{ED2DF0E0-0EA2-48B5-9DA2-3321820A21F2}">
   <ds:schemaRefs>
@@ -8590,14 +8604,6 @@
 </file>
 
 <file path=customXml/itemProps2.xml><?xml version="1.0" encoding="utf-8"?>
-<ds:datastoreItem xmlns:ds="http://schemas.openxmlformats.org/officeDocument/2006/customXml" ds:itemID="{FBD8799C-CBA0-43B6-B31C-584BCF8821B4}">
-  <ds:schemaRefs>
-    <ds:schemaRef ds:uri="http://schemas.microsoft.com/sharepoint/v3/contenttype/forms"/>
-  </ds:schemaRefs>
-</ds:datastoreItem>
-</file>
-
-<file path=customXml/itemProps3.xml><?xml version="1.0" encoding="utf-8"?>
 <ds:datastoreItem xmlns:ds="http://schemas.openxmlformats.org/officeDocument/2006/customXml" ds:itemID="{C6EBFFE6-03E5-4FEC-833A-ADCD223D5C7C}">
   <ds:schemaRefs>
     <ds:schemaRef ds:uri="http://schemas.microsoft.com/office/2006/metadata/contentType"/>
@@ -8614,4 +8620,12 @@
     <ds:schemaRef ds:uri="http://schemas.microsoft.com/internal/obd"/>
   </ds:schemaRefs>
 </ds:datastoreItem>
+</file>
+
+<file path=customXml/itemProps3.xml><?xml version="1.0" encoding="utf-8"?>
+<ds:datastoreItem xmlns:ds="http://schemas.openxmlformats.org/officeDocument/2006/customXml" ds:itemID="{FBD8799C-CBA0-43B6-B31C-584BCF8821B4}">
+  <ds:schemaRefs>
+    <ds:schemaRef ds:uri="http://schemas.microsoft.com/sharepoint/v3/contenttype/forms"/>
+  </ds:schemaRefs>
+</ds:datastoreItem>
 </file>